--- a/DOCUMENTATION/change_name_later_on.pptx
+++ b/DOCUMENTATION/change_name_later_on.pptx
@@ -3574,7 +3574,7 @@
                 <a:rPr lang="en-US" sz="1300" dirty="0">
                   <a:latin typeface="Abadi Extra Light" panose="020B0604020202020204" pitchFamily="34" charset="0"/>
                 </a:rPr>
-                <a:t>Find out how players performed while playing different roles</a:t>
+                <a:t>Have you ever wondered who is the best quarterback? </a:t>
               </a:r>
             </a:p>
           </p:txBody>
@@ -3679,13 +3679,8 @@
                 <a:rPr lang="en-US" sz="1300" dirty="0">
                   <a:latin typeface="Abadi Extra Light" panose="020B0604020202020204" pitchFamily="34" charset="0"/>
                 </a:rPr>
-                <a:t>Who won, who lost, and what were the odds for that to happen</a:t>
+                <a:t>Had an argument with a friend about which team is better? Come here and get all the stats needed!</a:t>
               </a:r>
-            </a:p>
-            <a:p>
-              <a:endParaRPr lang="en-US" sz="1300" dirty="0">
-                <a:latin typeface="Abadi Extra Light" panose="020B0604020202020204" pitchFamily="34" charset="0"/>
-              </a:endParaRPr>
             </a:p>
           </p:txBody>
         </p:sp>
@@ -3915,9 +3910,9 @@
         <p:grpSpPr>
           <a:xfrm>
             <a:off x="6288948" y="4299896"/>
-            <a:ext cx="2354306" cy="892552"/>
+            <a:ext cx="2354306" cy="720596"/>
             <a:chOff x="6397808" y="4299896"/>
-            <a:chExt cx="2354306" cy="892552"/>
+            <a:chExt cx="2354306" cy="720596"/>
           </a:xfrm>
         </p:grpSpPr>
         <p:pic>
@@ -3974,7 +3969,7 @@
           <p:spPr>
             <a:xfrm>
               <a:off x="6892753" y="4299896"/>
-              <a:ext cx="1859361" cy="892552"/>
+              <a:ext cx="1859361" cy="692497"/>
             </a:xfrm>
             <a:prstGeom prst="rect">
               <a:avLst/>
@@ -3999,7 +3994,7 @@
                 <a:rPr lang="en-US" sz="1300" dirty="0">
                   <a:latin typeface="Abadi Extra Light" panose="020B0604020202020204" pitchFamily="34" charset="0"/>
                 </a:rPr>
-                <a:t>Which team chose the best, according to the players’ rankings</a:t>
+                <a:t>Which team got better picks in the draft? </a:t>
               </a:r>
             </a:p>
           </p:txBody>
@@ -4409,10 +4404,10 @@
             </a:p>
             <a:p>
               <a:r>
-                <a:rPr lang="en-US" sz="1600" dirty="0">
+                <a:rPr lang="en-GB" sz="1600" dirty="0">
                   <a:latin typeface="Abadi Extra Light" panose="020B0604020202020204" pitchFamily="34" charset="0"/>
                 </a:rPr>
-                <a:t>Find all the data you want about groups who won even when the chances seem to be lost</a:t>
+                <a:t>Find all the data you want about teams who won even when the chances seem to be lost</a:t>
               </a:r>
             </a:p>
           </p:txBody>
@@ -4825,7 +4820,7 @@
                 <a:rPr lang="en-US" sz="1600" dirty="0">
                   <a:latin typeface="Abadi Extra Light" panose="020B0604020202020204" pitchFamily="34" charset="0"/>
                 </a:rPr>
-                <a:t>Find out how players performed while playing different roles</a:t>
+                <a:t>Have you ever wondered who is the best quarterback? </a:t>
               </a:r>
             </a:p>
           </p:txBody>
@@ -5154,9 +5149,9 @@
         <p:grpSpPr>
           <a:xfrm>
             <a:off x="291900" y="1164827"/>
-            <a:ext cx="6456166" cy="584775"/>
+            <a:ext cx="6456166" cy="830997"/>
             <a:chOff x="3236128" y="3071639"/>
-            <a:chExt cx="6456166" cy="584775"/>
+            <a:chExt cx="6456166" cy="830997"/>
           </a:xfrm>
         </p:grpSpPr>
         <p:pic>
@@ -5213,7 +5208,7 @@
           <p:spPr>
             <a:xfrm>
               <a:off x="3800021" y="3071639"/>
-              <a:ext cx="5892273" cy="584775"/>
+              <a:ext cx="5892273" cy="830997"/>
             </a:xfrm>
             <a:prstGeom prst="rect">
               <a:avLst/>
@@ -5230,7 +5225,7 @@
                 <a:rPr lang="en-US" sz="1600" b="1" dirty="0">
                   <a:latin typeface="Abadi Extra Light" panose="020B0604020202020204" pitchFamily="34" charset="0"/>
                 </a:rPr>
-                <a:t>Group statistics</a:t>
+                <a:t>Team’s statistics</a:t>
               </a:r>
             </a:p>
             <a:p>
@@ -5238,7 +5233,7 @@
                 <a:rPr lang="en-US" sz="1600" dirty="0">
                   <a:latin typeface="Abadi Extra Light" panose="020B0604020202020204" pitchFamily="34" charset="0"/>
                 </a:rPr>
-                <a:t>Who won, who lost, and what were the odds for that  to happen</a:t>
+                <a:t>Had an argument with a friend about which team is better? Come here and get all the stats needed!</a:t>
               </a:r>
             </a:p>
           </p:txBody>
@@ -5567,9 +5562,9 @@
         <p:grpSpPr>
           <a:xfrm>
             <a:off x="104751" y="1222155"/>
-            <a:ext cx="8500406" cy="584775"/>
+            <a:ext cx="8500406" cy="830997"/>
             <a:chOff x="104751" y="1222155"/>
-            <a:chExt cx="8500406" cy="584775"/>
+            <a:chExt cx="8500406" cy="830997"/>
           </a:xfrm>
         </p:grpSpPr>
         <p:sp>
@@ -5587,7 +5582,7 @@
           <p:spPr>
             <a:xfrm>
               <a:off x="653391" y="1222155"/>
-              <a:ext cx="7951766" cy="584775"/>
+              <a:ext cx="7951766" cy="830997"/>
             </a:xfrm>
             <a:prstGeom prst="rect">
               <a:avLst/>
@@ -5609,7 +5604,7 @@
             </a:p>
             <a:p>
               <a:r>
-                <a:rPr lang="en-US" sz="1600" dirty="0">
+                <a:rPr lang="en-GB" sz="1600" dirty="0">
                   <a:latin typeface="Abadi Extra Light" panose="020B0604020202020204" pitchFamily="34" charset="0"/>
                 </a:rPr>
                 <a:t>Where, according to states, you can watch a game while the potential capacity of the stadium is the largest</a:t>
@@ -6477,7 +6472,7 @@
                 <a:rPr lang="en-US" sz="1600" dirty="0">
                   <a:latin typeface="Abadi Extra Light" panose="020B0604020202020204" pitchFamily="34" charset="0"/>
                 </a:rPr>
-                <a:t>Which team chose the best, according to the players’ rankings</a:t>
+                <a:t>Which team got better picks in the draft? </a:t>
               </a:r>
             </a:p>
           </p:txBody>
